--- a/Warehouse Management System.pptx
+++ b/Warehouse Management System.pptx
@@ -14841,7 +14841,7 @@
           <a:p>
             <a:fld id="{ACC9434F-E58C-4557-83C1-B5FC8BAF795E}" type="datetimeFigureOut">
               <a:rPr lang="en-IN" smtClean="0"/>
-              <a:t>07-06-2020</a:t>
+              <a:t>15-07-2020</a:t>
             </a:fld>
             <a:endParaRPr lang="en-IN"/>
           </a:p>
@@ -15165,7 +15165,7 @@
           <a:p>
             <a:fld id="{ACC9434F-E58C-4557-83C1-B5FC8BAF795E}" type="datetimeFigureOut">
               <a:rPr lang="en-IN" smtClean="0"/>
-              <a:t>07-06-2020</a:t>
+              <a:t>15-07-2020</a:t>
             </a:fld>
             <a:endParaRPr lang="en-IN"/>
           </a:p>
@@ -15413,7 +15413,7 @@
           <a:p>
             <a:fld id="{ACC9434F-E58C-4557-83C1-B5FC8BAF795E}" type="datetimeFigureOut">
               <a:rPr lang="en-IN" smtClean="0"/>
-              <a:t>07-06-2020</a:t>
+              <a:t>15-07-2020</a:t>
             </a:fld>
             <a:endParaRPr lang="en-IN"/>
           </a:p>
@@ -15752,7 +15752,7 @@
           <a:p>
             <a:fld id="{ACC9434F-E58C-4557-83C1-B5FC8BAF795E}" type="datetimeFigureOut">
               <a:rPr lang="en-IN" smtClean="0"/>
-              <a:t>07-06-2020</a:t>
+              <a:t>15-07-2020</a:t>
             </a:fld>
             <a:endParaRPr lang="en-IN"/>
           </a:p>
@@ -16099,7 +16099,7 @@
           <a:p>
             <a:fld id="{ACC9434F-E58C-4557-83C1-B5FC8BAF795E}" type="datetimeFigureOut">
               <a:rPr lang="en-IN" smtClean="0"/>
-              <a:t>07-06-2020</a:t>
+              <a:t>15-07-2020</a:t>
             </a:fld>
             <a:endParaRPr lang="en-IN"/>
           </a:p>
@@ -16473,7 +16473,7 @@
           <a:p>
             <a:fld id="{ACC9434F-E58C-4557-83C1-B5FC8BAF795E}" type="datetimeFigureOut">
               <a:rPr lang="en-IN" smtClean="0"/>
-              <a:t>07-06-2020</a:t>
+              <a:t>15-07-2020</a:t>
             </a:fld>
             <a:endParaRPr lang="en-IN"/>
           </a:p>
@@ -16943,7 +16943,7 @@
           <a:p>
             <a:fld id="{ACC9434F-E58C-4557-83C1-B5FC8BAF795E}" type="datetimeFigureOut">
               <a:rPr lang="en-IN" smtClean="0"/>
-              <a:t>07-06-2020</a:t>
+              <a:t>15-07-2020</a:t>
             </a:fld>
             <a:endParaRPr lang="en-IN"/>
           </a:p>
@@ -17148,7 +17148,7 @@
           <a:p>
             <a:fld id="{ACC9434F-E58C-4557-83C1-B5FC8BAF795E}" type="datetimeFigureOut">
               <a:rPr lang="en-IN" smtClean="0"/>
-              <a:t>07-06-2020</a:t>
+              <a:t>15-07-2020</a:t>
             </a:fld>
             <a:endParaRPr lang="en-IN"/>
           </a:p>
@@ -17359,7 +17359,7 @@
           <a:p>
             <a:fld id="{ACC9434F-E58C-4557-83C1-B5FC8BAF795E}" type="datetimeFigureOut">
               <a:rPr lang="en-IN" smtClean="0"/>
-              <a:t>07-06-2020</a:t>
+              <a:t>15-07-2020</a:t>
             </a:fld>
             <a:endParaRPr lang="en-IN"/>
           </a:p>
@@ -17591,7 +17591,7 @@
           <a:p>
             <a:fld id="{ACC9434F-E58C-4557-83C1-B5FC8BAF795E}" type="datetimeFigureOut">
               <a:rPr lang="en-IN" smtClean="0"/>
-              <a:t>07-06-2020</a:t>
+              <a:t>15-07-2020</a:t>
             </a:fld>
             <a:endParaRPr lang="en-IN"/>
           </a:p>
@@ -17839,7 +17839,7 @@
           <a:p>
             <a:fld id="{ACC9434F-E58C-4557-83C1-B5FC8BAF795E}" type="datetimeFigureOut">
               <a:rPr lang="en-IN" smtClean="0"/>
-              <a:t>07-06-2020</a:t>
+              <a:t>15-07-2020</a:t>
             </a:fld>
             <a:endParaRPr lang="en-IN"/>
           </a:p>
@@ -18137,7 +18137,7 @@
           <a:p>
             <a:fld id="{ACC9434F-E58C-4557-83C1-B5FC8BAF795E}" type="datetimeFigureOut">
               <a:rPr lang="en-IN" smtClean="0"/>
-              <a:t>07-06-2020</a:t>
+              <a:t>15-07-2020</a:t>
             </a:fld>
             <a:endParaRPr lang="en-IN"/>
           </a:p>
@@ -18536,7 +18536,7 @@
           <a:p>
             <a:fld id="{ACC9434F-E58C-4557-83C1-B5FC8BAF795E}" type="datetimeFigureOut">
               <a:rPr lang="en-IN" smtClean="0"/>
-              <a:t>07-06-2020</a:t>
+              <a:t>15-07-2020</a:t>
             </a:fld>
             <a:endParaRPr lang="en-IN"/>
           </a:p>
@@ -18690,7 +18690,7 @@
           <a:p>
             <a:fld id="{ACC9434F-E58C-4557-83C1-B5FC8BAF795E}" type="datetimeFigureOut">
               <a:rPr lang="en-IN" smtClean="0"/>
-              <a:t>07-06-2020</a:t>
+              <a:t>15-07-2020</a:t>
             </a:fld>
             <a:endParaRPr lang="en-IN"/>
           </a:p>
@@ -18816,7 +18816,7 @@
           <a:p>
             <a:fld id="{ACC9434F-E58C-4557-83C1-B5FC8BAF795E}" type="datetimeFigureOut">
               <a:rPr lang="en-IN" smtClean="0"/>
-              <a:t>07-06-2020</a:t>
+              <a:t>15-07-2020</a:t>
             </a:fld>
             <a:endParaRPr lang="en-IN"/>
           </a:p>
@@ -19071,7 +19071,7 @@
           <a:p>
             <a:fld id="{ACC9434F-E58C-4557-83C1-B5FC8BAF795E}" type="datetimeFigureOut">
               <a:rPr lang="en-IN" smtClean="0"/>
-              <a:t>07-06-2020</a:t>
+              <a:t>15-07-2020</a:t>
             </a:fld>
             <a:endParaRPr lang="en-IN"/>
           </a:p>
@@ -19391,7 +19391,7 @@
           <a:p>
             <a:fld id="{ACC9434F-E58C-4557-83C1-B5FC8BAF795E}" type="datetimeFigureOut">
               <a:rPr lang="en-IN" smtClean="0"/>
-              <a:t>07-06-2020</a:t>
+              <a:t>15-07-2020</a:t>
             </a:fld>
             <a:endParaRPr lang="en-IN"/>
           </a:p>
@@ -19742,7 +19742,7 @@
           <a:p>
             <a:fld id="{ACC9434F-E58C-4557-83C1-B5FC8BAF795E}" type="datetimeFigureOut">
               <a:rPr lang="en-IN" smtClean="0"/>
-              <a:t>07-06-2020</a:t>
+              <a:t>15-07-2020</a:t>
             </a:fld>
             <a:endParaRPr lang="en-IN"/>
           </a:p>
@@ -20539,11 +20539,7 @@
           <a:p>
             <a:r>
               <a:rPr lang="en-US" dirty="0" smtClean="0"/>
-              <a:t>Technological </a:t>
-            </a:r>
-            <a:r>
-              <a:rPr lang="en-US" dirty="0" smtClean="0"/>
-              <a:t>Stack – Data Collection and </a:t>
+              <a:t>Technological Stack – Data Collection and </a:t>
             </a:r>
             <a:r>
               <a:rPr lang="en-US" dirty="0"/>
@@ -21026,11 +21022,7 @@
           <a:p>
             <a:r>
               <a:rPr lang="en-US" dirty="0" smtClean="0"/>
-              <a:t>Technological Stack - Web </a:t>
-            </a:r>
-            <a:r>
-              <a:rPr lang="en-US" dirty="0" smtClean="0"/>
-              <a:t>and app service</a:t>
+              <a:t>Technological Stack - Web and app service</a:t>
             </a:r>
             <a:endParaRPr lang="en-IN" dirty="0"/>
           </a:p>
@@ -21282,7 +21274,15 @@
             </a:pPr>
             <a:r>
               <a:rPr lang="en-IN" dirty="0"/>
-              <a:t>Our prediction models requires the inputs from experts like economists and environmentalists etc.  for very accurate prediction in extreme unforeseen situation.</a:t>
+              <a:t>Our prediction </a:t>
+            </a:r>
+            <a:r>
+              <a:rPr lang="en-IN" dirty="0" smtClean="0"/>
+              <a:t>model requires </a:t>
+            </a:r>
+            <a:r>
+              <a:rPr lang="en-IN" dirty="0"/>
+              <a:t>inputs from experts like economists and environmentalists etc.  for very accurate prediction in extreme unforeseen situation.</a:t>
             </a:r>
           </a:p>
           <a:p>
@@ -23091,19 +23091,7 @@
               </a:pPr>
               <a:r>
                 <a:rPr lang="en-IN" sz="2300" kern="1200" dirty="0" smtClean="0"/>
-                <a:t>A robust ensemble </a:t>
-              </a:r>
-              <a:r>
-                <a:rPr lang="en-IN" sz="2300" kern="1200" dirty="0" smtClean="0"/>
-                <a:t>ML model </a:t>
-              </a:r>
-              <a:r>
-                <a:rPr lang="en-IN" sz="2300" kern="1200" dirty="0" smtClean="0"/>
-                <a:t>handling all the diverse amount </a:t>
-              </a:r>
-              <a:r>
-                <a:rPr lang="en-IN" sz="2300" kern="1200" dirty="0" smtClean="0"/>
-                <a:t>of data </a:t>
+                <a:t>A robust ensemble ML model handling all the diverse amount of data </a:t>
               </a:r>
               <a:endParaRPr lang="en-IN" sz="2300" kern="1200" dirty="0"/>
             </a:p>
@@ -23331,11 +23319,7 @@
               </a:pPr>
               <a:r>
                 <a:rPr lang="en-IN" sz="2300" kern="1200" dirty="0" smtClean="0"/>
-                <a:t>Ecommerce  integration and tracking  to keep  a the track  on predicted  vs real demand  and hence constantly improving our </a:t>
-              </a:r>
-              <a:r>
-                <a:rPr lang="en-IN" sz="2300" kern="1200" dirty="0" smtClean="0"/>
-                <a:t>model</a:t>
+                <a:t>Ecommerce  integration and tracking  to keep  a the track  on predicted  vs real demand  and hence constantly improving our model</a:t>
               </a:r>
               <a:endParaRPr lang="en-IN" sz="2300" kern="1200" dirty="0"/>
             </a:p>
